--- a/homework/HW2/HW2_12032189_Yuxi Liu.pptx
+++ b/homework/HW2/HW2_12032189_Yuxi Liu.pptx
@@ -13,6 +13,7 @@
     <p:sldId id="261" r:id="rId7"/>
     <p:sldId id="262" r:id="rId8"/>
     <p:sldId id="263" r:id="rId9"/>
+    <p:sldId id="264" r:id="rId10"/>
   </p:sldIdLst>
   <p:sldSz cx="12192000" cy="6858000"/>
   <p:notesSz cx="6858000" cy="9144000"/>
@@ -111,6 +112,11 @@
       </a:defRPr>
     </a:lvl9pPr>
   </p:defaultTextStyle>
+  <p:extLst>
+    <p:ext uri="{EFAFB233-063F-42B5-8137-9DF3F51BA10A}">
+      <p15:sldGuideLst xmlns:p15="http://schemas.microsoft.com/office/powerpoint/2012/main"/>
+    </p:ext>
+  </p:extLst>
 </p:presentation>
 </file>
 
@@ -261,7 +267,7 @@
           <a:p>
             <a:fld id="{29D823F9-96CC-48B1-8EC0-8603B3CCCF30}" type="datetimeFigureOut">
               <a:rPr lang="zh-CN" altLang="en-US" smtClean="0"/>
-              <a:t>2020/9/25</a:t>
+              <a:t>2020/9/26</a:t>
             </a:fld>
             <a:endParaRPr lang="zh-CN" altLang="en-US"/>
           </a:p>
@@ -459,7 +465,7 @@
           <a:p>
             <a:fld id="{29D823F9-96CC-48B1-8EC0-8603B3CCCF30}" type="datetimeFigureOut">
               <a:rPr lang="zh-CN" altLang="en-US" smtClean="0"/>
-              <a:t>2020/9/25</a:t>
+              <a:t>2020/9/26</a:t>
             </a:fld>
             <a:endParaRPr lang="zh-CN" altLang="en-US"/>
           </a:p>
@@ -667,7 +673,7 @@
           <a:p>
             <a:fld id="{29D823F9-96CC-48B1-8EC0-8603B3CCCF30}" type="datetimeFigureOut">
               <a:rPr lang="zh-CN" altLang="en-US" smtClean="0"/>
-              <a:t>2020/9/25</a:t>
+              <a:t>2020/9/26</a:t>
             </a:fld>
             <a:endParaRPr lang="zh-CN" altLang="en-US"/>
           </a:p>
@@ -865,7 +871,7 @@
           <a:p>
             <a:fld id="{29D823F9-96CC-48B1-8EC0-8603B3CCCF30}" type="datetimeFigureOut">
               <a:rPr lang="zh-CN" altLang="en-US" smtClean="0"/>
-              <a:t>2020/9/25</a:t>
+              <a:t>2020/9/26</a:t>
             </a:fld>
             <a:endParaRPr lang="zh-CN" altLang="en-US"/>
           </a:p>
@@ -1140,7 +1146,7 @@
           <a:p>
             <a:fld id="{29D823F9-96CC-48B1-8EC0-8603B3CCCF30}" type="datetimeFigureOut">
               <a:rPr lang="zh-CN" altLang="en-US" smtClean="0"/>
-              <a:t>2020/9/25</a:t>
+              <a:t>2020/9/26</a:t>
             </a:fld>
             <a:endParaRPr lang="zh-CN" altLang="en-US"/>
           </a:p>
@@ -1405,7 +1411,7 @@
           <a:p>
             <a:fld id="{29D823F9-96CC-48B1-8EC0-8603B3CCCF30}" type="datetimeFigureOut">
               <a:rPr lang="zh-CN" altLang="en-US" smtClean="0"/>
-              <a:t>2020/9/25</a:t>
+              <a:t>2020/9/26</a:t>
             </a:fld>
             <a:endParaRPr lang="zh-CN" altLang="en-US"/>
           </a:p>
@@ -1817,7 +1823,7 @@
           <a:p>
             <a:fld id="{29D823F9-96CC-48B1-8EC0-8603B3CCCF30}" type="datetimeFigureOut">
               <a:rPr lang="zh-CN" altLang="en-US" smtClean="0"/>
-              <a:t>2020/9/25</a:t>
+              <a:t>2020/9/26</a:t>
             </a:fld>
             <a:endParaRPr lang="zh-CN" altLang="en-US"/>
           </a:p>
@@ -1958,7 +1964,7 @@
           <a:p>
             <a:fld id="{29D823F9-96CC-48B1-8EC0-8603B3CCCF30}" type="datetimeFigureOut">
               <a:rPr lang="zh-CN" altLang="en-US" smtClean="0"/>
-              <a:t>2020/9/25</a:t>
+              <a:t>2020/9/26</a:t>
             </a:fld>
             <a:endParaRPr lang="zh-CN" altLang="en-US"/>
           </a:p>
@@ -2071,7 +2077,7 @@
           <a:p>
             <a:fld id="{29D823F9-96CC-48B1-8EC0-8603B3CCCF30}" type="datetimeFigureOut">
               <a:rPr lang="zh-CN" altLang="en-US" smtClean="0"/>
-              <a:t>2020/9/25</a:t>
+              <a:t>2020/9/26</a:t>
             </a:fld>
             <a:endParaRPr lang="zh-CN" altLang="en-US"/>
           </a:p>
@@ -2382,7 +2388,7 @@
           <a:p>
             <a:fld id="{29D823F9-96CC-48B1-8EC0-8603B3CCCF30}" type="datetimeFigureOut">
               <a:rPr lang="zh-CN" altLang="en-US" smtClean="0"/>
-              <a:t>2020/9/25</a:t>
+              <a:t>2020/9/26</a:t>
             </a:fld>
             <a:endParaRPr lang="zh-CN" altLang="en-US"/>
           </a:p>
@@ -2670,7 +2676,7 @@
           <a:p>
             <a:fld id="{29D823F9-96CC-48B1-8EC0-8603B3CCCF30}" type="datetimeFigureOut">
               <a:rPr lang="zh-CN" altLang="en-US" smtClean="0"/>
-              <a:t>2020/9/25</a:t>
+              <a:t>2020/9/26</a:t>
             </a:fld>
             <a:endParaRPr lang="zh-CN" altLang="en-US"/>
           </a:p>
@@ -2911,7 +2917,7 @@
           <a:p>
             <a:fld id="{29D823F9-96CC-48B1-8EC0-8603B3CCCF30}" type="datetimeFigureOut">
               <a:rPr lang="zh-CN" altLang="en-US" smtClean="0"/>
-              <a:t>2020/9/25</a:t>
+              <a:t>2020/9/26</a:t>
             </a:fld>
             <a:endParaRPr lang="zh-CN" altLang="en-US"/>
           </a:p>
@@ -4412,8 +4418,8 @@
           </a:p>
         </p:txBody>
       </p:sp>
-      <mc:AlternateContent xmlns:mc="http://schemas.openxmlformats.org/markup-compatibility/2006">
-        <mc:Choice xmlns:a14="http://schemas.microsoft.com/office/drawing/2010/main" Requires="a14">
+      <mc:AlternateContent xmlns:mc="http://schemas.openxmlformats.org/markup-compatibility/2006" xmlns:a14="http://schemas.microsoft.com/office/drawing/2010/main">
+        <mc:Choice Requires="a14">
           <p:sp>
             <p:nvSpPr>
               <p:cNvPr id="38" name="文本框 37">
@@ -4442,7 +4448,6 @@
               </a:bodyPr>
               <a:lstStyle/>
               <a:p>
-                <a:pPr/>
                 <a14:m>
                   <m:oMath xmlns:m="http://schemas.openxmlformats.org/officeDocument/2006/math">
                     <m:sSup>
@@ -4488,7 +4493,7 @@
             </p:txBody>
           </p:sp>
         </mc:Choice>
-        <mc:Fallback>
+        <mc:Fallback xmlns="">
           <p:sp>
             <p:nvSpPr>
               <p:cNvPr id="38" name="文本框 37">
@@ -5260,8 +5265,8 @@
           </a:p>
         </p:txBody>
       </p:sp>
-      <mc:AlternateContent xmlns:mc="http://schemas.openxmlformats.org/markup-compatibility/2006">
-        <mc:Choice xmlns:a14="http://schemas.microsoft.com/office/drawing/2010/main" Requires="a14">
+      <mc:AlternateContent xmlns:mc="http://schemas.openxmlformats.org/markup-compatibility/2006" xmlns:a14="http://schemas.microsoft.com/office/drawing/2010/main">
+        <mc:Choice Requires="a14">
           <p:sp>
             <p:nvSpPr>
               <p:cNvPr id="2" name="文本框 1">
@@ -5334,7 +5339,7 @@
             </p:txBody>
           </p:sp>
         </mc:Choice>
-        <mc:Fallback>
+        <mc:Fallback xmlns="">
           <p:sp>
             <p:nvSpPr>
               <p:cNvPr id="2" name="文本框 1">
@@ -6091,8 +6096,8 @@
           </a:p>
         </p:txBody>
       </p:sp>
-      <mc:AlternateContent xmlns:mc="http://schemas.openxmlformats.org/markup-compatibility/2006">
-        <mc:Choice xmlns:a14="http://schemas.microsoft.com/office/drawing/2010/main" Requires="a14">
+      <mc:AlternateContent xmlns:mc="http://schemas.openxmlformats.org/markup-compatibility/2006" xmlns:a14="http://schemas.microsoft.com/office/drawing/2010/main">
+        <mc:Choice Requires="a14">
           <p:sp>
             <p:nvSpPr>
               <p:cNvPr id="7" name="文本框 6">
@@ -6121,6 +6126,7 @@
               </a:bodyPr>
               <a:lstStyle/>
               <a:p>
+                <a:pPr/>
                 <a14:m>
                   <m:oMathPara xmlns:m="http://schemas.openxmlformats.org/officeDocument/2006/math">
                     <m:oMathParaPr>
@@ -6166,7 +6172,7 @@
             </p:txBody>
           </p:sp>
         </mc:Choice>
-        <mc:Fallback>
+        <mc:Fallback xmlns="">
           <p:sp>
             <p:nvSpPr>
               <p:cNvPr id="7" name="文本框 6">
@@ -6211,8 +6217,8 @@
           </p:sp>
         </mc:Fallback>
       </mc:AlternateContent>
-      <mc:AlternateContent xmlns:mc="http://schemas.openxmlformats.org/markup-compatibility/2006">
-        <mc:Choice xmlns:a14="http://schemas.microsoft.com/office/drawing/2010/main" Requires="a14">
+      <mc:AlternateContent xmlns:mc="http://schemas.openxmlformats.org/markup-compatibility/2006" xmlns:a14="http://schemas.microsoft.com/office/drawing/2010/main">
+        <mc:Choice Requires="a14">
           <p:sp>
             <p:nvSpPr>
               <p:cNvPr id="9" name="文本框 8">
@@ -6241,6 +6247,7 @@
               </a:bodyPr>
               <a:lstStyle/>
               <a:p>
+                <a:pPr/>
                 <a14:m>
                   <m:oMathPara xmlns:m="http://schemas.openxmlformats.org/officeDocument/2006/math">
                     <m:oMathParaPr>
@@ -6333,7 +6340,7 @@
             </p:txBody>
           </p:sp>
         </mc:Choice>
-        <mc:Fallback>
+        <mc:Fallback xmlns="">
           <p:sp>
             <p:nvSpPr>
               <p:cNvPr id="9" name="文本框 8">
@@ -6442,8 +6449,8 @@
           </a:p>
         </p:txBody>
       </p:sp>
-      <mc:AlternateContent xmlns:mc="http://schemas.openxmlformats.org/markup-compatibility/2006">
-        <mc:Choice xmlns:a14="http://schemas.microsoft.com/office/drawing/2010/main" Requires="a14">
+      <mc:AlternateContent xmlns:mc="http://schemas.openxmlformats.org/markup-compatibility/2006" xmlns:a14="http://schemas.microsoft.com/office/drawing/2010/main">
+        <mc:Choice Requires="a14">
           <p:sp>
             <p:nvSpPr>
               <p:cNvPr id="5" name="内容占位符 2">
@@ -7046,7 +7053,7 @@
                                     <a:rPr lang="zh-CN" altLang="en-US" i="1">
                                       <a:latin typeface="Cambria Math" panose="02040503050406030204" pitchFamily="18" charset="0"/>
                                     </a:rPr>
-                                    <m:t>*</m:t>
+                                    <m:t>∗</m:t>
                                   </m:r>
                                 </m:sup>
                               </m:sSup>
@@ -7167,7 +7174,7 @@
             </p:txBody>
           </p:sp>
         </mc:Choice>
-        <mc:Fallback>
+        <mc:Fallback xmlns="">
           <p:sp>
             <p:nvSpPr>
               <p:cNvPr id="5" name="内容占位符 2">
@@ -7779,8 +7786,8 @@
           </a:p>
         </p:txBody>
       </p:sp>
-      <mc:AlternateContent xmlns:mc="http://schemas.openxmlformats.org/markup-compatibility/2006">
-        <mc:Choice xmlns:a14="http://schemas.microsoft.com/office/drawing/2010/main" Requires="a14">
+      <mc:AlternateContent xmlns:mc="http://schemas.openxmlformats.org/markup-compatibility/2006" xmlns:a14="http://schemas.microsoft.com/office/drawing/2010/main">
+        <mc:Choice Requires="a14">
           <p:sp>
             <p:nvSpPr>
               <p:cNvPr id="7" name="文本框 6">
@@ -7809,6 +7816,7 @@
               </a:bodyPr>
               <a:lstStyle/>
               <a:p>
+                <a:pPr/>
                 <a14:m>
                   <m:oMathPara xmlns:m="http://schemas.openxmlformats.org/officeDocument/2006/math">
                     <m:oMathParaPr>
@@ -7854,7 +7862,7 @@
             </p:txBody>
           </p:sp>
         </mc:Choice>
-        <mc:Fallback>
+        <mc:Fallback xmlns="">
           <p:sp>
             <p:nvSpPr>
               <p:cNvPr id="7" name="文本框 6">
@@ -7963,8 +7971,8 @@
           </a:p>
         </p:txBody>
       </p:sp>
-      <mc:AlternateContent xmlns:mc="http://schemas.openxmlformats.org/markup-compatibility/2006">
-        <mc:Choice xmlns:a14="http://schemas.microsoft.com/office/drawing/2010/main" Requires="a14">
+      <mc:AlternateContent xmlns:mc="http://schemas.openxmlformats.org/markup-compatibility/2006" xmlns:a14="http://schemas.microsoft.com/office/drawing/2010/main">
+        <mc:Choice Requires="a14">
           <p:sp>
             <p:nvSpPr>
               <p:cNvPr id="5" name="内容占位符 2">
@@ -8055,7 +8063,7 @@
             </p:txBody>
           </p:sp>
         </mc:Choice>
-        <mc:Fallback>
+        <mc:Fallback xmlns="">
           <p:sp>
             <p:nvSpPr>
               <p:cNvPr id="5" name="内容占位符 2">
@@ -8556,8 +8564,8 @@
           </a:p>
         </p:txBody>
       </p:sp>
-      <mc:AlternateContent xmlns:mc="http://schemas.openxmlformats.org/markup-compatibility/2006">
-        <mc:Choice xmlns:a14="http://schemas.microsoft.com/office/drawing/2010/main" Requires="a14">
+      <mc:AlternateContent xmlns:mc="http://schemas.openxmlformats.org/markup-compatibility/2006" xmlns:a14="http://schemas.microsoft.com/office/drawing/2010/main">
+        <mc:Choice Requires="a14">
           <p:sp>
             <p:nvSpPr>
               <p:cNvPr id="7" name="文本框 6">
@@ -8586,6 +8594,7 @@
               </a:bodyPr>
               <a:lstStyle/>
               <a:p>
+                <a:pPr/>
                 <a14:m>
                   <m:oMathPara xmlns:m="http://schemas.openxmlformats.org/officeDocument/2006/math">
                     <m:oMathParaPr>
@@ -8631,7 +8640,7 @@
             </p:txBody>
           </p:sp>
         </mc:Choice>
-        <mc:Fallback>
+        <mc:Fallback xmlns="">
           <p:sp>
             <p:nvSpPr>
               <p:cNvPr id="7" name="文本框 6">
@@ -8712,8 +8721,8 @@
           </a:p>
         </p:txBody>
       </p:sp>
-      <mc:AlternateContent xmlns:mc="http://schemas.openxmlformats.org/markup-compatibility/2006">
-        <mc:Choice xmlns:a14="http://schemas.microsoft.com/office/drawing/2010/main" Requires="a14">
+      <mc:AlternateContent xmlns:mc="http://schemas.openxmlformats.org/markup-compatibility/2006" xmlns:a14="http://schemas.microsoft.com/office/drawing/2010/main">
+        <mc:Choice Requires="a14">
           <p:sp>
             <p:nvSpPr>
               <p:cNvPr id="9" name="文本框 8">
@@ -8742,6 +8751,7 @@
               </a:bodyPr>
               <a:lstStyle/>
               <a:p>
+                <a:pPr/>
                 <a14:m>
                   <m:oMathPara xmlns:m="http://schemas.openxmlformats.org/officeDocument/2006/math">
                     <m:oMathParaPr>
@@ -8859,7 +8869,7 @@
             </p:txBody>
           </p:sp>
         </mc:Choice>
-        <mc:Fallback>
+        <mc:Fallback xmlns="">
           <p:sp>
             <p:nvSpPr>
               <p:cNvPr id="9" name="文本框 8">
@@ -8908,6 +8918,72 @@
     <p:extLst>
       <p:ext uri="{BB962C8B-B14F-4D97-AF65-F5344CB8AC3E}">
         <p14:creationId xmlns:p14="http://schemas.microsoft.com/office/powerpoint/2010/main" val="1640070722"/>
+      </p:ext>
+    </p:extLst>
+  </p:cSld>
+  <p:clrMapOvr>
+    <a:masterClrMapping/>
+  </p:clrMapOvr>
+</p:sld>
+</file>
+
+<file path=ppt/slides/slide9.xml><?xml version="1.0" encoding="utf-8"?>
+<p:sld xmlns:a="http://schemas.openxmlformats.org/drawingml/2006/main" xmlns:r="http://schemas.openxmlformats.org/officeDocument/2006/relationships" xmlns:p="http://schemas.openxmlformats.org/presentationml/2006/main">
+  <p:cSld>
+    <p:spTree>
+      <p:nvGrpSpPr>
+        <p:cNvPr id="1" name=""/>
+        <p:cNvGrpSpPr/>
+        <p:nvPr/>
+      </p:nvGrpSpPr>
+      <p:grpSpPr>
+        <a:xfrm>
+          <a:off x="0" y="0"/>
+          <a:ext cx="0" cy="0"/>
+          <a:chOff x="0" y="0"/>
+          <a:chExt cx="0" cy="0"/>
+        </a:xfrm>
+      </p:grpSpPr>
+      <p:sp>
+        <p:nvSpPr>
+          <p:cNvPr id="4" name="文本框 3">
+            <a:extLst>
+              <a:ext uri="{FF2B5EF4-FFF2-40B4-BE49-F238E27FC236}">
+                <a16:creationId xmlns:a16="http://schemas.microsoft.com/office/drawing/2014/main" id="{EB2114E1-AF3C-4B50-A200-959FA8D55298}"/>
+              </a:ext>
+            </a:extLst>
+          </p:cNvPr>
+          <p:cNvSpPr txBox="1"/>
+          <p:nvPr/>
+        </p:nvSpPr>
+        <p:spPr>
+          <a:xfrm>
+            <a:off x="3835154" y="2494625"/>
+            <a:ext cx="9046346" cy="1107996"/>
+          </a:xfrm>
+          <a:prstGeom prst="rect">
+            <a:avLst/>
+          </a:prstGeom>
+          <a:noFill/>
+        </p:spPr>
+        <p:txBody>
+          <a:bodyPr wrap="square" rtlCol="0">
+            <a:spAutoFit/>
+          </a:bodyPr>
+          <a:lstStyle/>
+          <a:p>
+            <a:r>
+              <a:rPr lang="en-US" altLang="zh-CN" sz="6600" b="1" dirty="0"/>
+              <a:t>Thank you</a:t>
+            </a:r>
+            <a:endParaRPr lang="zh-CN" altLang="en-US" sz="6600" b="1" dirty="0"/>
+          </a:p>
+        </p:txBody>
+      </p:sp>
+    </p:spTree>
+    <p:extLst>
+      <p:ext uri="{BB962C8B-B14F-4D97-AF65-F5344CB8AC3E}">
+        <p14:creationId xmlns:p14="http://schemas.microsoft.com/office/powerpoint/2010/main" val="837287448"/>
       </p:ext>
     </p:extLst>
   </p:cSld>
